--- a/00 UNICEF/05 UIUX mockups/Wireframe.pptx
+++ b/00 UNICEF/05 UIUX mockups/Wireframe.pptx
@@ -8155,7 +8155,7 @@
         </p:nvSpPr>
         <p:spPr>
           <a:xfrm>
-            <a:off x="1716232" y="2765413"/>
+            <a:off x="1718827" y="2765413"/>
             <a:ext cx="1478026" cy="218410"/>
           </a:xfrm>
           <a:prstGeom prst="rect">
@@ -8203,7 +8203,7 @@
         </p:nvSpPr>
         <p:spPr>
           <a:xfrm>
-            <a:off x="1724154" y="2981991"/>
+            <a:off x="1724154" y="2979396"/>
             <a:ext cx="1478026" cy="218410"/>
           </a:xfrm>
           <a:prstGeom prst="rect">
